--- a/OOAD/lectures/100--Examples.pptx
+++ b/OOAD/lectures/100--Examples.pptx
@@ -5,14 +5,29 @@
     <p:sldMasterId id="2147483648" r:id="rId1"/>
   </p:sldMasterIdLst>
   <p:notesMasterIdLst>
-    <p:notesMasterId r:id="rId7"/>
+    <p:notesMasterId r:id="rId22"/>
   </p:notesMasterIdLst>
   <p:sldIdLst>
     <p:sldId id="267" r:id="rId2"/>
     <p:sldId id="274" r:id="rId3"/>
-    <p:sldId id="272" r:id="rId4"/>
-    <p:sldId id="291" r:id="rId5"/>
-    <p:sldId id="268" r:id="rId6"/>
+    <p:sldId id="292" r:id="rId4"/>
+    <p:sldId id="300" r:id="rId5"/>
+    <p:sldId id="293" r:id="rId6"/>
+    <p:sldId id="294" r:id="rId7"/>
+    <p:sldId id="296" r:id="rId8"/>
+    <p:sldId id="301" r:id="rId9"/>
+    <p:sldId id="297" r:id="rId10"/>
+    <p:sldId id="298" r:id="rId11"/>
+    <p:sldId id="299" r:id="rId12"/>
+    <p:sldId id="302" r:id="rId13"/>
+    <p:sldId id="303" r:id="rId14"/>
+    <p:sldId id="304" r:id="rId15"/>
+    <p:sldId id="305" r:id="rId16"/>
+    <p:sldId id="306" r:id="rId17"/>
+    <p:sldId id="307" r:id="rId18"/>
+    <p:sldId id="272" r:id="rId19"/>
+    <p:sldId id="291" r:id="rId20"/>
+    <p:sldId id="268" r:id="rId21"/>
   </p:sldIdLst>
   <p:sldSz cx="9144000" cy="6858000" type="screen4x3"/>
   <p:notesSz cx="6858000" cy="9144000"/>
@@ -143,7 +158,7 @@
   </p:defaultTextStyle>
   <p:extLst>
     <p:ext uri="{EFAFB233-063F-42B5-8137-9DF3F51BA10A}">
-      <p15:sldGuideLst xmlns:p15="http://schemas.microsoft.com/office/powerpoint/2012/main">
+      <p15:sldGuideLst xmlns="" xmlns:p15="http://schemas.microsoft.com/office/powerpoint/2012/main">
         <p15:guide id="1" orient="horz" pos="2160">
           <p15:clr>
             <a:srgbClr val="A4A3A4"/>
@@ -210,14 +225,14 @@
           <a:effectLst/>
           <a:extLst>
             <a:ext uri="{909E8E84-426E-40DD-AFC4-6F175D3DCCD1}">
-              <a14:hiddenFill xmlns:a14="http://schemas.microsoft.com/office/drawing/2010/main">
+              <a14:hiddenFill xmlns="" xmlns:a14="http://schemas.microsoft.com/office/drawing/2010/main">
                 <a:solidFill>
                   <a:schemeClr val="accent1"/>
                 </a:solidFill>
               </a14:hiddenFill>
             </a:ext>
             <a:ext uri="{91240B29-F687-4F45-9708-019B960494DF}">
-              <a14:hiddenLine xmlns:a14="http://schemas.microsoft.com/office/drawing/2010/main" w="9525">
+              <a14:hiddenLine xmlns="" xmlns:a14="http://schemas.microsoft.com/office/drawing/2010/main" w="9525">
                 <a:solidFill>
                   <a:schemeClr val="tx1"/>
                 </a:solidFill>
@@ -227,7 +242,7 @@
               </a14:hiddenLine>
             </a:ext>
             <a:ext uri="{AF507438-7753-43E0-B8FC-AC1667EBCBE1}">
-              <a14:hiddenEffects xmlns:a14="http://schemas.microsoft.com/office/drawing/2010/main">
+              <a14:hiddenEffects xmlns="" xmlns:a14="http://schemas.microsoft.com/office/drawing/2010/main">
                 <a:effectLst>
                   <a:outerShdw dist="35921" dir="2700000" algn="ctr" rotWithShape="0">
                     <a:schemeClr val="bg2"/>
@@ -281,14 +296,14 @@
           <a:effectLst/>
           <a:extLst>
             <a:ext uri="{909E8E84-426E-40DD-AFC4-6F175D3DCCD1}">
-              <a14:hiddenFill xmlns:a14="http://schemas.microsoft.com/office/drawing/2010/main">
+              <a14:hiddenFill xmlns="" xmlns:a14="http://schemas.microsoft.com/office/drawing/2010/main">
                 <a:solidFill>
                   <a:schemeClr val="accent1"/>
                 </a:solidFill>
               </a14:hiddenFill>
             </a:ext>
             <a:ext uri="{91240B29-F687-4F45-9708-019B960494DF}">
-              <a14:hiddenLine xmlns:a14="http://schemas.microsoft.com/office/drawing/2010/main" w="9525">
+              <a14:hiddenLine xmlns="" xmlns:a14="http://schemas.microsoft.com/office/drawing/2010/main" w="9525">
                 <a:solidFill>
                   <a:schemeClr val="tx1"/>
                 </a:solidFill>
@@ -298,7 +313,7 @@
               </a14:hiddenLine>
             </a:ext>
             <a:ext uri="{AF507438-7753-43E0-B8FC-AC1667EBCBE1}">
-              <a14:hiddenEffects xmlns:a14="http://schemas.microsoft.com/office/drawing/2010/main">
+              <a14:hiddenEffects xmlns="" xmlns:a14="http://schemas.microsoft.com/office/drawing/2010/main">
                 <a:effectLst>
                   <a:outerShdw dist="35921" dir="2700000" algn="ctr" rotWithShape="0">
                     <a:schemeClr val="bg2"/>
@@ -331,7 +346,7 @@
         <p:nvSpPr>
           <p:cNvPr id="8196" name="Rectangle 4"/>
           <p:cNvSpPr>
-            <a:spLocks noRot="1" noChangeArrowheads="1" noTextEdit="1"/>
+            <a:spLocks noGrp="1" noRot="1" noChangeAspect="1" noChangeArrowheads="1" noTextEdit="1"/>
           </p:cNvSpPr>
           <p:nvPr>
             <p:ph type="sldImg" idx="2"/>
@@ -357,14 +372,14 @@
           <a:effectLst/>
           <a:extLst>
             <a:ext uri="{909E8E84-426E-40DD-AFC4-6F175D3DCCD1}">
-              <a14:hiddenFill xmlns:a14="http://schemas.microsoft.com/office/drawing/2010/main">
+              <a14:hiddenFill xmlns="" xmlns:a14="http://schemas.microsoft.com/office/drawing/2010/main">
                 <a:solidFill>
                   <a:srgbClr val="FFFFFF"/>
                 </a:solidFill>
               </a14:hiddenFill>
             </a:ext>
             <a:ext uri="{AF507438-7753-43E0-B8FC-AC1667EBCBE1}">
-              <a14:hiddenEffects xmlns:a14="http://schemas.microsoft.com/office/drawing/2010/main">
+              <a14:hiddenEffects xmlns="" xmlns:a14="http://schemas.microsoft.com/office/drawing/2010/main">
                 <a:effectLst>
                   <a:outerShdw dist="35921" dir="2700000" algn="ctr" rotWithShape="0">
                     <a:srgbClr val="808080"/>
@@ -373,7 +388,7 @@
               </a14:hiddenEffects>
             </a:ext>
             <a:ext uri="{53640926-AAD7-44D8-BBD7-CCE9431645EC}">
-              <a14:shadowObscured xmlns:a14="http://schemas.microsoft.com/office/drawing/2010/main" val="1"/>
+              <a14:shadowObscured xmlns="" xmlns:a14="http://schemas.microsoft.com/office/drawing/2010/main" val="1"/>
             </a:ext>
           </a:extLst>
         </p:spPr>
@@ -403,14 +418,14 @@
           <a:effectLst/>
           <a:extLst>
             <a:ext uri="{909E8E84-426E-40DD-AFC4-6F175D3DCCD1}">
-              <a14:hiddenFill xmlns:a14="http://schemas.microsoft.com/office/drawing/2010/main">
+              <a14:hiddenFill xmlns="" xmlns:a14="http://schemas.microsoft.com/office/drawing/2010/main">
                 <a:solidFill>
                   <a:schemeClr val="accent1"/>
                 </a:solidFill>
               </a14:hiddenFill>
             </a:ext>
             <a:ext uri="{91240B29-F687-4F45-9708-019B960494DF}">
-              <a14:hiddenLine xmlns:a14="http://schemas.microsoft.com/office/drawing/2010/main" w="9525">
+              <a14:hiddenLine xmlns="" xmlns:a14="http://schemas.microsoft.com/office/drawing/2010/main" w="9525">
                 <a:solidFill>
                   <a:schemeClr val="tx1"/>
                 </a:solidFill>
@@ -420,7 +435,7 @@
               </a14:hiddenLine>
             </a:ext>
             <a:ext uri="{AF507438-7753-43E0-B8FC-AC1667EBCBE1}">
-              <a14:hiddenEffects xmlns:a14="http://schemas.microsoft.com/office/drawing/2010/main">
+              <a14:hiddenEffects xmlns="" xmlns:a14="http://schemas.microsoft.com/office/drawing/2010/main">
                 <a:effectLst>
                   <a:outerShdw dist="35921" dir="2700000" algn="ctr" rotWithShape="0">
                     <a:schemeClr val="bg2"/>
@@ -499,14 +514,14 @@
           <a:effectLst/>
           <a:extLst>
             <a:ext uri="{909E8E84-426E-40DD-AFC4-6F175D3DCCD1}">
-              <a14:hiddenFill xmlns:a14="http://schemas.microsoft.com/office/drawing/2010/main">
+              <a14:hiddenFill xmlns="" xmlns:a14="http://schemas.microsoft.com/office/drawing/2010/main">
                 <a:solidFill>
                   <a:schemeClr val="accent1"/>
                 </a:solidFill>
               </a14:hiddenFill>
             </a:ext>
             <a:ext uri="{91240B29-F687-4F45-9708-019B960494DF}">
-              <a14:hiddenLine xmlns:a14="http://schemas.microsoft.com/office/drawing/2010/main" w="9525">
+              <a14:hiddenLine xmlns="" xmlns:a14="http://schemas.microsoft.com/office/drawing/2010/main" w="9525">
                 <a:solidFill>
                   <a:schemeClr val="tx1"/>
                 </a:solidFill>
@@ -516,7 +531,7 @@
               </a14:hiddenLine>
             </a:ext>
             <a:ext uri="{AF507438-7753-43E0-B8FC-AC1667EBCBE1}">
-              <a14:hiddenEffects xmlns:a14="http://schemas.microsoft.com/office/drawing/2010/main">
+              <a14:hiddenEffects xmlns="" xmlns:a14="http://schemas.microsoft.com/office/drawing/2010/main">
                 <a:effectLst>
                   <a:outerShdw dist="35921" dir="2700000" algn="ctr" rotWithShape="0">
                     <a:schemeClr val="bg2"/>
@@ -570,14 +585,14 @@
           <a:effectLst/>
           <a:extLst>
             <a:ext uri="{909E8E84-426E-40DD-AFC4-6F175D3DCCD1}">
-              <a14:hiddenFill xmlns:a14="http://schemas.microsoft.com/office/drawing/2010/main">
+              <a14:hiddenFill xmlns="" xmlns:a14="http://schemas.microsoft.com/office/drawing/2010/main">
                 <a:solidFill>
                   <a:schemeClr val="accent1"/>
                 </a:solidFill>
               </a14:hiddenFill>
             </a:ext>
             <a:ext uri="{91240B29-F687-4F45-9708-019B960494DF}">
-              <a14:hiddenLine xmlns:a14="http://schemas.microsoft.com/office/drawing/2010/main" w="9525">
+              <a14:hiddenLine xmlns="" xmlns:a14="http://schemas.microsoft.com/office/drawing/2010/main" w="9525">
                 <a:solidFill>
                   <a:schemeClr val="tx1"/>
                 </a:solidFill>
@@ -587,7 +602,7 @@
               </a14:hiddenLine>
             </a:ext>
             <a:ext uri="{AF507438-7753-43E0-B8FC-AC1667EBCBE1}">
-              <a14:hiddenEffects xmlns:a14="http://schemas.microsoft.com/office/drawing/2010/main">
+              <a14:hiddenEffects xmlns="" xmlns:a14="http://schemas.microsoft.com/office/drawing/2010/main">
                 <a:effectLst>
                   <a:outerShdw dist="35921" dir="2700000" algn="ctr" rotWithShape="0">
                     <a:schemeClr val="bg2"/>
@@ -626,7 +641,7 @@
     </p:spTree>
     <p:extLst>
       <p:ext uri="{BB962C8B-B14F-4D97-AF65-F5344CB8AC3E}">
-        <p14:creationId xmlns:p14="http://schemas.microsoft.com/office/powerpoint/2010/main" val="2414658636"/>
+        <p14:creationId xmlns="" xmlns:p14="http://schemas.microsoft.com/office/powerpoint/2010/main" val="2414658636"/>
       </p:ext>
     </p:extLst>
   </p:cSld>
@@ -873,7 +888,7 @@
     </p:spTree>
     <p:extLst>
       <p:ext uri="{BB962C8B-B14F-4D97-AF65-F5344CB8AC3E}">
-        <p14:creationId xmlns:p14="http://schemas.microsoft.com/office/powerpoint/2010/main" val="2993719422"/>
+        <p14:creationId xmlns="" xmlns:p14="http://schemas.microsoft.com/office/powerpoint/2010/main" val="2993719422"/>
       </p:ext>
     </p:extLst>
   </p:cSld>
@@ -1010,7 +1025,7 @@
               <a:pPr>
                 <a:defRPr/>
               </a:pPr>
-              <a:t>10/28/2017</a:t>
+              <a:t>12/5/2017</a:t>
             </a:fld>
             <a:endParaRPr lang="en-US" altLang="en-US"/>
           </a:p>
@@ -1097,7 +1112,7 @@
     </p:spTree>
     <p:extLst>
       <p:ext uri="{BB962C8B-B14F-4D97-AF65-F5344CB8AC3E}">
-        <p14:creationId xmlns:p14="http://schemas.microsoft.com/office/powerpoint/2010/main" val="1702088925"/>
+        <p14:creationId xmlns="" xmlns:p14="http://schemas.microsoft.com/office/powerpoint/2010/main" val="1702088925"/>
       </p:ext>
     </p:extLst>
   </p:cSld>
@@ -1244,7 +1259,7 @@
               <a:pPr>
                 <a:defRPr/>
               </a:pPr>
-              <a:t>10/28/2017</a:t>
+              <a:t>12/5/2017</a:t>
             </a:fld>
             <a:endParaRPr lang="en-US" altLang="en-US"/>
           </a:p>
@@ -1331,7 +1346,7 @@
     </p:spTree>
     <p:extLst>
       <p:ext uri="{BB962C8B-B14F-4D97-AF65-F5344CB8AC3E}">
-        <p14:creationId xmlns:p14="http://schemas.microsoft.com/office/powerpoint/2010/main" val="2123280044"/>
+        <p14:creationId xmlns="" xmlns:p14="http://schemas.microsoft.com/office/powerpoint/2010/main" val="2123280044"/>
       </p:ext>
     </p:extLst>
   </p:cSld>
@@ -1436,7 +1451,7 @@
     </p:spTree>
     <p:extLst>
       <p:ext uri="{BB962C8B-B14F-4D97-AF65-F5344CB8AC3E}">
-        <p14:creationId xmlns:p14="http://schemas.microsoft.com/office/powerpoint/2010/main" val="2596146328"/>
+        <p14:creationId xmlns="" xmlns:p14="http://schemas.microsoft.com/office/powerpoint/2010/main" val="2596146328"/>
       </p:ext>
     </p:extLst>
   </p:cSld>
@@ -1563,7 +1578,7 @@
     </p:spTree>
     <p:extLst>
       <p:ext uri="{BB962C8B-B14F-4D97-AF65-F5344CB8AC3E}">
-        <p14:creationId xmlns:p14="http://schemas.microsoft.com/office/powerpoint/2010/main" val="90560648"/>
+        <p14:creationId xmlns="" xmlns:p14="http://schemas.microsoft.com/office/powerpoint/2010/main" val="90560648"/>
       </p:ext>
     </p:extLst>
   </p:cSld>
@@ -1730,7 +1745,7 @@
     </p:spTree>
     <p:extLst>
       <p:ext uri="{BB962C8B-B14F-4D97-AF65-F5344CB8AC3E}">
-        <p14:creationId xmlns:p14="http://schemas.microsoft.com/office/powerpoint/2010/main" val="1116224263"/>
+        <p14:creationId xmlns="" xmlns:p14="http://schemas.microsoft.com/office/powerpoint/2010/main" val="1116224263"/>
       </p:ext>
     </p:extLst>
   </p:cSld>
@@ -2032,7 +2047,7 @@
     </p:spTree>
     <p:extLst>
       <p:ext uri="{BB962C8B-B14F-4D97-AF65-F5344CB8AC3E}">
-        <p14:creationId xmlns:p14="http://schemas.microsoft.com/office/powerpoint/2010/main" val="2880639976"/>
+        <p14:creationId xmlns="" xmlns:p14="http://schemas.microsoft.com/office/powerpoint/2010/main" val="2880639976"/>
       </p:ext>
     </p:extLst>
   </p:cSld>
@@ -2117,7 +2132,7 @@
               <a:pPr>
                 <a:defRPr/>
               </a:pPr>
-              <a:t>10/28/2017</a:t>
+              <a:t>12/5/2017</a:t>
             </a:fld>
             <a:endParaRPr lang="en-US" altLang="en-US"/>
           </a:p>
@@ -2204,7 +2219,7 @@
     </p:spTree>
     <p:extLst>
       <p:ext uri="{BB962C8B-B14F-4D97-AF65-F5344CB8AC3E}">
-        <p14:creationId xmlns:p14="http://schemas.microsoft.com/office/powerpoint/2010/main" val="1168934256"/>
+        <p14:creationId xmlns="" xmlns:p14="http://schemas.microsoft.com/office/powerpoint/2010/main" val="1168934256"/>
       </p:ext>
     </p:extLst>
   </p:cSld>
@@ -2266,7 +2281,7 @@
               <a:pPr>
                 <a:defRPr/>
               </a:pPr>
-              <a:t>10/28/2017</a:t>
+              <a:t>12/5/2017</a:t>
             </a:fld>
             <a:endParaRPr lang="en-US" altLang="en-US"/>
           </a:p>
@@ -2353,7 +2368,7 @@
     </p:spTree>
     <p:extLst>
       <p:ext uri="{BB962C8B-B14F-4D97-AF65-F5344CB8AC3E}">
-        <p14:creationId xmlns:p14="http://schemas.microsoft.com/office/powerpoint/2010/main" val="3498913031"/>
+        <p14:creationId xmlns="" xmlns:p14="http://schemas.microsoft.com/office/powerpoint/2010/main" val="3498913031"/>
       </p:ext>
     </p:extLst>
   </p:cSld>
@@ -2597,7 +2612,7 @@
               <a:pPr>
                 <a:defRPr/>
               </a:pPr>
-              <a:t>10/28/2017</a:t>
+              <a:t>12/5/2017</a:t>
             </a:fld>
             <a:endParaRPr lang="en-US" altLang="en-US"/>
           </a:p>
@@ -2684,7 +2699,7 @@
     </p:spTree>
     <p:extLst>
       <p:ext uri="{BB962C8B-B14F-4D97-AF65-F5344CB8AC3E}">
-        <p14:creationId xmlns:p14="http://schemas.microsoft.com/office/powerpoint/2010/main" val="4109471860"/>
+        <p14:creationId xmlns="" xmlns:p14="http://schemas.microsoft.com/office/powerpoint/2010/main" val="4109471860"/>
       </p:ext>
     </p:extLst>
   </p:cSld>
@@ -2905,7 +2920,7 @@
               <a:pPr>
                 <a:defRPr/>
               </a:pPr>
-              <a:t>10/28/2017</a:t>
+              <a:t>12/5/2017</a:t>
             </a:fld>
             <a:endParaRPr lang="en-US" altLang="en-US"/>
           </a:p>
@@ -2992,7 +3007,7 @@
     </p:spTree>
     <p:extLst>
       <p:ext uri="{BB962C8B-B14F-4D97-AF65-F5344CB8AC3E}">
-        <p14:creationId xmlns:p14="http://schemas.microsoft.com/office/powerpoint/2010/main" val="2173447662"/>
+        <p14:creationId xmlns="" xmlns:p14="http://schemas.microsoft.com/office/powerpoint/2010/main" val="2173447662"/>
       </p:ext>
     </p:extLst>
   </p:cSld>
@@ -3052,14 +3067,14 @@
           <a:effectLst/>
           <a:extLst>
             <a:ext uri="{909E8E84-426E-40DD-AFC4-6F175D3DCCD1}">
-              <a14:hiddenFill xmlns:a14="http://schemas.microsoft.com/office/drawing/2010/main">
+              <a14:hiddenFill xmlns="" xmlns:a14="http://schemas.microsoft.com/office/drawing/2010/main">
                 <a:solidFill>
                   <a:schemeClr val="accent1"/>
                 </a:solidFill>
               </a14:hiddenFill>
             </a:ext>
             <a:ext uri="{91240B29-F687-4F45-9708-019B960494DF}">
-              <a14:hiddenLine xmlns:a14="http://schemas.microsoft.com/office/drawing/2010/main" w="9525">
+              <a14:hiddenLine xmlns="" xmlns:a14="http://schemas.microsoft.com/office/drawing/2010/main" w="9525">
                 <a:solidFill>
                   <a:schemeClr val="tx1"/>
                 </a:solidFill>
@@ -3069,7 +3084,7 @@
               </a14:hiddenLine>
             </a:ext>
             <a:ext uri="{AF507438-7753-43E0-B8FC-AC1667EBCBE1}">
-              <a14:hiddenEffects xmlns:a14="http://schemas.microsoft.com/office/drawing/2010/main">
+              <a14:hiddenEffects xmlns="" xmlns:a14="http://schemas.microsoft.com/office/drawing/2010/main">
                 <a:effectLst>
                   <a:outerShdw dist="35921" dir="2700000" algn="ctr" rotWithShape="0">
                     <a:schemeClr val="bg2"/>
@@ -3120,14 +3135,14 @@
           <a:effectLst/>
           <a:extLst>
             <a:ext uri="{909E8E84-426E-40DD-AFC4-6F175D3DCCD1}">
-              <a14:hiddenFill xmlns:a14="http://schemas.microsoft.com/office/drawing/2010/main">
+              <a14:hiddenFill xmlns="" xmlns:a14="http://schemas.microsoft.com/office/drawing/2010/main">
                 <a:solidFill>
                   <a:schemeClr val="accent1"/>
                 </a:solidFill>
               </a14:hiddenFill>
             </a:ext>
             <a:ext uri="{91240B29-F687-4F45-9708-019B960494DF}">
-              <a14:hiddenLine xmlns:a14="http://schemas.microsoft.com/office/drawing/2010/main" w="9525">
+              <a14:hiddenLine xmlns="" xmlns:a14="http://schemas.microsoft.com/office/drawing/2010/main" w="9525">
                 <a:solidFill>
                   <a:schemeClr val="tx1"/>
                 </a:solidFill>
@@ -3137,7 +3152,7 @@
               </a14:hiddenLine>
             </a:ext>
             <a:ext uri="{AF507438-7753-43E0-B8FC-AC1667EBCBE1}">
-              <a14:hiddenEffects xmlns:a14="http://schemas.microsoft.com/office/drawing/2010/main">
+              <a14:hiddenEffects xmlns="" xmlns:a14="http://schemas.microsoft.com/office/drawing/2010/main">
                 <a:effectLst>
                   <a:outerShdw dist="35921" dir="2700000" algn="ctr" rotWithShape="0">
                     <a:schemeClr val="bg2"/>
@@ -3685,14 +3700,14 @@
           </a:ln>
           <a:extLst>
             <a:ext uri="{909E8E84-426E-40DD-AFC4-6F175D3DCCD1}">
-              <a14:hiddenFill xmlns:a14="http://schemas.microsoft.com/office/drawing/2010/main">
+              <a14:hiddenFill xmlns="" xmlns:a14="http://schemas.microsoft.com/office/drawing/2010/main">
                 <a:solidFill>
                   <a:srgbClr val="FFFFFF"/>
                 </a:solidFill>
               </a14:hiddenFill>
             </a:ext>
             <a:ext uri="{91240B29-F687-4F45-9708-019B960494DF}">
-              <a14:hiddenLine xmlns:a14="http://schemas.microsoft.com/office/drawing/2010/main" w="9525">
+              <a14:hiddenLine xmlns="" xmlns:a14="http://schemas.microsoft.com/office/drawing/2010/main" w="9525">
                 <a:solidFill>
                   <a:srgbClr val="000000"/>
                 </a:solidFill>
@@ -3867,6 +3882,947 @@
 </p:sld>
 </file>
 
+<file path=ppt/slides/slide10.xml><?xml version="1.0" encoding="utf-8"?>
+<p:sld xmlns:a="http://schemas.openxmlformats.org/drawingml/2006/main" xmlns:r="http://schemas.openxmlformats.org/officeDocument/2006/relationships" xmlns:p="http://schemas.openxmlformats.org/presentationml/2006/main">
+  <p:cSld>
+    <p:spTree>
+      <p:nvGrpSpPr>
+        <p:cNvPr id="1" name=""/>
+        <p:cNvGrpSpPr/>
+        <p:nvPr/>
+      </p:nvGrpSpPr>
+      <p:grpSpPr>
+        <a:xfrm>
+          <a:off x="0" y="0"/>
+          <a:ext cx="0" cy="0"/>
+          <a:chOff x="0" y="0"/>
+          <a:chExt cx="0" cy="0"/>
+        </a:xfrm>
+      </p:grpSpPr>
+      <p:sp>
+        <p:nvSpPr>
+          <p:cNvPr id="2" name="Title 1"/>
+          <p:cNvSpPr>
+            <a:spLocks noGrp="1"/>
+          </p:cNvSpPr>
+          <p:nvPr>
+            <p:ph type="title"/>
+          </p:nvPr>
+        </p:nvSpPr>
+        <p:spPr/>
+        <p:txBody>
+          <a:bodyPr/>
+          <a:lstStyle/>
+          <a:p>
+            <a:r>
+              <a:rPr lang="en-US" dirty="0" smtClean="0"/>
+              <a:t>Collaboration Diagram</a:t>
+            </a:r>
+            <a:endParaRPr lang="en-US" dirty="0"/>
+          </a:p>
+        </p:txBody>
+      </p:sp>
+      <p:sp>
+        <p:nvSpPr>
+          <p:cNvPr id="3" name="Content Placeholder 2"/>
+          <p:cNvSpPr>
+            <a:spLocks noGrp="1"/>
+          </p:cNvSpPr>
+          <p:nvPr>
+            <p:ph idx="1"/>
+          </p:nvPr>
+        </p:nvSpPr>
+        <p:spPr/>
+        <p:txBody>
+          <a:bodyPr/>
+          <a:lstStyle/>
+          <a:p>
+            <a:endParaRPr lang="en-US"/>
+          </a:p>
+        </p:txBody>
+      </p:sp>
+      <p:pic>
+        <p:nvPicPr>
+          <p:cNvPr id="2050" name="Picture 2"/>
+          <p:cNvPicPr>
+            <a:picLocks noChangeAspect="1" noChangeArrowheads="1"/>
+          </p:cNvPicPr>
+          <p:nvPr/>
+        </p:nvPicPr>
+        <p:blipFill>
+          <a:blip r:embed="rId2" cstate="print"/>
+          <a:srcRect/>
+          <a:stretch>
+            <a:fillRect/>
+          </a:stretch>
+        </p:blipFill>
+        <p:spPr bwMode="auto">
+          <a:xfrm>
+            <a:off x="1905000" y="1676400"/>
+            <a:ext cx="5314950" cy="4400550"/>
+          </a:xfrm>
+          <a:prstGeom prst="rect">
+            <a:avLst/>
+          </a:prstGeom>
+          <a:noFill/>
+          <a:ln w="9525">
+            <a:noFill/>
+            <a:miter lim="800000"/>
+            <a:headEnd/>
+            <a:tailEnd/>
+          </a:ln>
+        </p:spPr>
+      </p:pic>
+    </p:spTree>
+  </p:cSld>
+  <p:clrMapOvr>
+    <a:masterClrMapping/>
+  </p:clrMapOvr>
+</p:sld>
+</file>
+
+<file path=ppt/slides/slide11.xml><?xml version="1.0" encoding="utf-8"?>
+<p:sld xmlns:a="http://schemas.openxmlformats.org/drawingml/2006/main" xmlns:r="http://schemas.openxmlformats.org/officeDocument/2006/relationships" xmlns:p="http://schemas.openxmlformats.org/presentationml/2006/main">
+  <p:cSld>
+    <p:spTree>
+      <p:nvGrpSpPr>
+        <p:cNvPr id="1" name=""/>
+        <p:cNvGrpSpPr/>
+        <p:nvPr/>
+      </p:nvGrpSpPr>
+      <p:grpSpPr>
+        <a:xfrm>
+          <a:off x="0" y="0"/>
+          <a:ext cx="0" cy="0"/>
+          <a:chOff x="0" y="0"/>
+          <a:chExt cx="0" cy="0"/>
+        </a:xfrm>
+      </p:grpSpPr>
+      <p:pic>
+        <p:nvPicPr>
+          <p:cNvPr id="3074" name="Picture 2"/>
+          <p:cNvPicPr>
+            <a:picLocks noChangeAspect="1" noChangeArrowheads="1"/>
+          </p:cNvPicPr>
+          <p:nvPr/>
+        </p:nvPicPr>
+        <p:blipFill>
+          <a:blip r:embed="rId2" cstate="print"/>
+          <a:srcRect/>
+          <a:stretch>
+            <a:fillRect/>
+          </a:stretch>
+        </p:blipFill>
+        <p:spPr bwMode="auto">
+          <a:xfrm>
+            <a:off x="152400" y="838200"/>
+            <a:ext cx="5772150" cy="5448300"/>
+          </a:xfrm>
+          <a:prstGeom prst="rect">
+            <a:avLst/>
+          </a:prstGeom>
+          <a:noFill/>
+          <a:ln w="9525">
+            <a:noFill/>
+            <a:miter lim="800000"/>
+            <a:headEnd/>
+            <a:tailEnd/>
+          </a:ln>
+        </p:spPr>
+      </p:pic>
+      <p:sp>
+        <p:nvSpPr>
+          <p:cNvPr id="2" name="Title 1"/>
+          <p:cNvSpPr>
+            <a:spLocks noGrp="1"/>
+          </p:cNvSpPr>
+          <p:nvPr>
+            <p:ph type="title"/>
+          </p:nvPr>
+        </p:nvSpPr>
+        <p:spPr>
+          <a:xfrm>
+            <a:off x="4724400" y="2209800"/>
+            <a:ext cx="4267200" cy="1143000"/>
+          </a:xfrm>
+        </p:spPr>
+        <p:txBody>
+          <a:bodyPr/>
+          <a:lstStyle/>
+          <a:p>
+            <a:r>
+              <a:rPr lang="en-US" dirty="0" smtClean="0"/>
+              <a:t>Sequence Diagram</a:t>
+            </a:r>
+            <a:endParaRPr lang="en-US" dirty="0"/>
+          </a:p>
+        </p:txBody>
+      </p:sp>
+    </p:spTree>
+  </p:cSld>
+  <p:clrMapOvr>
+    <a:masterClrMapping/>
+  </p:clrMapOvr>
+</p:sld>
+</file>
+
+<file path=ppt/slides/slide12.xml><?xml version="1.0" encoding="utf-8"?>
+<p:sld xmlns:a="http://schemas.openxmlformats.org/drawingml/2006/main" xmlns:r="http://schemas.openxmlformats.org/officeDocument/2006/relationships" xmlns:p="http://schemas.openxmlformats.org/presentationml/2006/main">
+  <p:cSld>
+    <p:spTree>
+      <p:nvGrpSpPr>
+        <p:cNvPr id="1" name=""/>
+        <p:cNvGrpSpPr/>
+        <p:nvPr/>
+      </p:nvGrpSpPr>
+      <p:grpSpPr>
+        <a:xfrm>
+          <a:off x="0" y="0"/>
+          <a:ext cx="0" cy="0"/>
+          <a:chOff x="0" y="0"/>
+          <a:chExt cx="0" cy="0"/>
+        </a:xfrm>
+      </p:grpSpPr>
+      <p:sp>
+        <p:nvSpPr>
+          <p:cNvPr id="2" name="Title 1"/>
+          <p:cNvSpPr>
+            <a:spLocks noGrp="1"/>
+          </p:cNvSpPr>
+          <p:nvPr>
+            <p:ph type="title"/>
+          </p:nvPr>
+        </p:nvSpPr>
+        <p:spPr>
+          <a:xfrm>
+            <a:off x="685800" y="381000"/>
+            <a:ext cx="7772400" cy="1143000"/>
+          </a:xfrm>
+        </p:spPr>
+        <p:txBody>
+          <a:bodyPr/>
+          <a:lstStyle/>
+          <a:p>
+            <a:r>
+              <a:rPr lang="en-US" dirty="0" smtClean="0"/>
+              <a:t>Use Case Diagram</a:t>
+            </a:r>
+            <a:endParaRPr lang="en-US" dirty="0"/>
+          </a:p>
+        </p:txBody>
+      </p:sp>
+      <p:sp>
+        <p:nvSpPr>
+          <p:cNvPr id="3" name="Content Placeholder 2"/>
+          <p:cNvSpPr>
+            <a:spLocks noGrp="1"/>
+          </p:cNvSpPr>
+          <p:nvPr>
+            <p:ph idx="1"/>
+          </p:nvPr>
+        </p:nvSpPr>
+        <p:spPr/>
+        <p:txBody>
+          <a:bodyPr/>
+          <a:lstStyle/>
+          <a:p>
+            <a:endParaRPr lang="en-US"/>
+          </a:p>
+        </p:txBody>
+      </p:sp>
+      <p:pic>
+        <p:nvPicPr>
+          <p:cNvPr id="4099" name="Picture 3"/>
+          <p:cNvPicPr>
+            <a:picLocks noChangeAspect="1" noChangeArrowheads="1"/>
+          </p:cNvPicPr>
+          <p:nvPr/>
+        </p:nvPicPr>
+        <p:blipFill>
+          <a:blip r:embed="rId2" cstate="print"/>
+          <a:srcRect/>
+          <a:stretch>
+            <a:fillRect/>
+          </a:stretch>
+        </p:blipFill>
+        <p:spPr bwMode="auto">
+          <a:xfrm>
+            <a:off x="1828800" y="1752600"/>
+            <a:ext cx="5553075" cy="4324350"/>
+          </a:xfrm>
+          <a:prstGeom prst="rect">
+            <a:avLst/>
+          </a:prstGeom>
+          <a:noFill/>
+          <a:ln w="9525">
+            <a:noFill/>
+            <a:miter lim="800000"/>
+            <a:headEnd/>
+            <a:tailEnd/>
+          </a:ln>
+        </p:spPr>
+      </p:pic>
+    </p:spTree>
+  </p:cSld>
+  <p:clrMapOvr>
+    <a:masterClrMapping/>
+  </p:clrMapOvr>
+</p:sld>
+</file>
+
+<file path=ppt/slides/slide13.xml><?xml version="1.0" encoding="utf-8"?>
+<p:sld xmlns:a="http://schemas.openxmlformats.org/drawingml/2006/main" xmlns:r="http://schemas.openxmlformats.org/officeDocument/2006/relationships" xmlns:p="http://schemas.openxmlformats.org/presentationml/2006/main">
+  <p:cSld>
+    <p:spTree>
+      <p:nvGrpSpPr>
+        <p:cNvPr id="1" name=""/>
+        <p:cNvGrpSpPr/>
+        <p:nvPr/>
+      </p:nvGrpSpPr>
+      <p:grpSpPr>
+        <a:xfrm>
+          <a:off x="0" y="0"/>
+          <a:ext cx="0" cy="0"/>
+          <a:chOff x="0" y="0"/>
+          <a:chExt cx="0" cy="0"/>
+        </a:xfrm>
+      </p:grpSpPr>
+      <p:sp>
+        <p:nvSpPr>
+          <p:cNvPr id="2" name="Title 1"/>
+          <p:cNvSpPr>
+            <a:spLocks noGrp="1"/>
+          </p:cNvSpPr>
+          <p:nvPr>
+            <p:ph type="title"/>
+          </p:nvPr>
+        </p:nvSpPr>
+        <p:spPr/>
+        <p:txBody>
+          <a:bodyPr/>
+          <a:lstStyle/>
+          <a:p>
+            <a:r>
+              <a:rPr lang="en-US" dirty="0" smtClean="0"/>
+              <a:t>Class Diagram</a:t>
+            </a:r>
+            <a:endParaRPr lang="en-US" dirty="0"/>
+          </a:p>
+        </p:txBody>
+      </p:sp>
+      <p:sp>
+        <p:nvSpPr>
+          <p:cNvPr id="3" name="Content Placeholder 2"/>
+          <p:cNvSpPr>
+            <a:spLocks noGrp="1"/>
+          </p:cNvSpPr>
+          <p:nvPr>
+            <p:ph idx="1"/>
+          </p:nvPr>
+        </p:nvSpPr>
+        <p:spPr/>
+        <p:txBody>
+          <a:bodyPr/>
+          <a:lstStyle/>
+          <a:p>
+            <a:endParaRPr lang="en-US"/>
+          </a:p>
+        </p:txBody>
+      </p:sp>
+      <p:pic>
+        <p:nvPicPr>
+          <p:cNvPr id="5122" name="Picture 2"/>
+          <p:cNvPicPr>
+            <a:picLocks noChangeAspect="1" noChangeArrowheads="1"/>
+          </p:cNvPicPr>
+          <p:nvPr/>
+        </p:nvPicPr>
+        <p:blipFill>
+          <a:blip r:embed="rId2" cstate="print"/>
+          <a:srcRect/>
+          <a:stretch>
+            <a:fillRect/>
+          </a:stretch>
+        </p:blipFill>
+        <p:spPr bwMode="auto">
+          <a:xfrm>
+            <a:off x="1752600" y="2895600"/>
+            <a:ext cx="5724525" cy="1695450"/>
+          </a:xfrm>
+          <a:prstGeom prst="rect">
+            <a:avLst/>
+          </a:prstGeom>
+          <a:noFill/>
+          <a:ln w="9525">
+            <a:noFill/>
+            <a:miter lim="800000"/>
+            <a:headEnd/>
+            <a:tailEnd/>
+          </a:ln>
+        </p:spPr>
+      </p:pic>
+    </p:spTree>
+  </p:cSld>
+  <p:clrMapOvr>
+    <a:masterClrMapping/>
+  </p:clrMapOvr>
+</p:sld>
+</file>
+
+<file path=ppt/slides/slide14.xml><?xml version="1.0" encoding="utf-8"?>
+<p:sld xmlns:a="http://schemas.openxmlformats.org/drawingml/2006/main" xmlns:r="http://schemas.openxmlformats.org/officeDocument/2006/relationships" xmlns:p="http://schemas.openxmlformats.org/presentationml/2006/main">
+  <p:cSld>
+    <p:spTree>
+      <p:nvGrpSpPr>
+        <p:cNvPr id="1" name=""/>
+        <p:cNvGrpSpPr/>
+        <p:nvPr/>
+      </p:nvGrpSpPr>
+      <p:grpSpPr>
+        <a:xfrm>
+          <a:off x="0" y="0"/>
+          <a:ext cx="0" cy="0"/>
+          <a:chOff x="0" y="0"/>
+          <a:chExt cx="0" cy="0"/>
+        </a:xfrm>
+      </p:grpSpPr>
+      <p:sp>
+        <p:nvSpPr>
+          <p:cNvPr id="2" name="Title 1"/>
+          <p:cNvSpPr>
+            <a:spLocks noGrp="1"/>
+          </p:cNvSpPr>
+          <p:nvPr>
+            <p:ph type="title"/>
+          </p:nvPr>
+        </p:nvSpPr>
+        <p:spPr/>
+        <p:txBody>
+          <a:bodyPr/>
+          <a:lstStyle/>
+          <a:p>
+            <a:r>
+              <a:rPr lang="en-US" dirty="0" smtClean="0"/>
+              <a:t>Deployment Diagram</a:t>
+            </a:r>
+            <a:endParaRPr lang="en-US" dirty="0"/>
+          </a:p>
+        </p:txBody>
+      </p:sp>
+      <p:sp>
+        <p:nvSpPr>
+          <p:cNvPr id="3" name="Content Placeholder 2"/>
+          <p:cNvSpPr>
+            <a:spLocks noGrp="1"/>
+          </p:cNvSpPr>
+          <p:nvPr>
+            <p:ph idx="1"/>
+          </p:nvPr>
+        </p:nvSpPr>
+        <p:spPr/>
+        <p:txBody>
+          <a:bodyPr/>
+          <a:lstStyle/>
+          <a:p>
+            <a:endParaRPr lang="en-US"/>
+          </a:p>
+        </p:txBody>
+      </p:sp>
+      <p:pic>
+        <p:nvPicPr>
+          <p:cNvPr id="6146" name="Picture 2"/>
+          <p:cNvPicPr>
+            <a:picLocks noChangeAspect="1" noChangeArrowheads="1"/>
+          </p:cNvPicPr>
+          <p:nvPr/>
+        </p:nvPicPr>
+        <p:blipFill>
+          <a:blip r:embed="rId2" cstate="print"/>
+          <a:srcRect/>
+          <a:stretch>
+            <a:fillRect/>
+          </a:stretch>
+        </p:blipFill>
+        <p:spPr bwMode="auto">
+          <a:xfrm>
+            <a:off x="2466975" y="2886075"/>
+            <a:ext cx="4210050" cy="1085850"/>
+          </a:xfrm>
+          <a:prstGeom prst="rect">
+            <a:avLst/>
+          </a:prstGeom>
+          <a:noFill/>
+          <a:ln w="9525">
+            <a:noFill/>
+            <a:miter lim="800000"/>
+            <a:headEnd/>
+            <a:tailEnd/>
+          </a:ln>
+        </p:spPr>
+      </p:pic>
+    </p:spTree>
+  </p:cSld>
+  <p:clrMapOvr>
+    <a:masterClrMapping/>
+  </p:clrMapOvr>
+</p:sld>
+</file>
+
+<file path=ppt/slides/slide15.xml><?xml version="1.0" encoding="utf-8"?>
+<p:sld xmlns:a="http://schemas.openxmlformats.org/drawingml/2006/main" xmlns:r="http://schemas.openxmlformats.org/officeDocument/2006/relationships" xmlns:p="http://schemas.openxmlformats.org/presentationml/2006/main">
+  <p:cSld>
+    <p:spTree>
+      <p:nvGrpSpPr>
+        <p:cNvPr id="1" name=""/>
+        <p:cNvGrpSpPr/>
+        <p:nvPr/>
+      </p:nvGrpSpPr>
+      <p:grpSpPr>
+        <a:xfrm>
+          <a:off x="0" y="0"/>
+          <a:ext cx="0" cy="0"/>
+          <a:chOff x="0" y="0"/>
+          <a:chExt cx="0" cy="0"/>
+        </a:xfrm>
+      </p:grpSpPr>
+      <p:sp>
+        <p:nvSpPr>
+          <p:cNvPr id="2" name="Title 1"/>
+          <p:cNvSpPr>
+            <a:spLocks noGrp="1"/>
+          </p:cNvSpPr>
+          <p:nvPr>
+            <p:ph type="title"/>
+          </p:nvPr>
+        </p:nvSpPr>
+        <p:spPr/>
+        <p:txBody>
+          <a:bodyPr/>
+          <a:lstStyle/>
+          <a:p>
+            <a:r>
+              <a:rPr lang="en-US" dirty="0" smtClean="0"/>
+              <a:t>Component Diagram</a:t>
+            </a:r>
+            <a:endParaRPr lang="en-US" dirty="0"/>
+          </a:p>
+        </p:txBody>
+      </p:sp>
+      <p:sp>
+        <p:nvSpPr>
+          <p:cNvPr id="3" name="Content Placeholder 2"/>
+          <p:cNvSpPr>
+            <a:spLocks noGrp="1"/>
+          </p:cNvSpPr>
+          <p:nvPr>
+            <p:ph idx="1"/>
+          </p:nvPr>
+        </p:nvSpPr>
+        <p:spPr/>
+        <p:txBody>
+          <a:bodyPr/>
+          <a:lstStyle/>
+          <a:p>
+            <a:endParaRPr lang="en-US"/>
+          </a:p>
+        </p:txBody>
+      </p:sp>
+      <p:pic>
+        <p:nvPicPr>
+          <p:cNvPr id="7170" name="Picture 2"/>
+          <p:cNvPicPr>
+            <a:picLocks noChangeAspect="1" noChangeArrowheads="1"/>
+          </p:cNvPicPr>
+          <p:nvPr/>
+        </p:nvPicPr>
+        <p:blipFill>
+          <a:blip r:embed="rId2" cstate="print"/>
+          <a:srcRect/>
+          <a:stretch>
+            <a:fillRect/>
+          </a:stretch>
+        </p:blipFill>
+        <p:spPr bwMode="auto">
+          <a:xfrm>
+            <a:off x="2209800" y="2209800"/>
+            <a:ext cx="4714875" cy="2686050"/>
+          </a:xfrm>
+          <a:prstGeom prst="rect">
+            <a:avLst/>
+          </a:prstGeom>
+          <a:noFill/>
+          <a:ln w="9525">
+            <a:noFill/>
+            <a:miter lim="800000"/>
+            <a:headEnd/>
+            <a:tailEnd/>
+          </a:ln>
+        </p:spPr>
+      </p:pic>
+    </p:spTree>
+  </p:cSld>
+  <p:clrMapOvr>
+    <a:masterClrMapping/>
+  </p:clrMapOvr>
+</p:sld>
+</file>
+
+<file path=ppt/slides/slide16.xml><?xml version="1.0" encoding="utf-8"?>
+<p:sld xmlns:a="http://schemas.openxmlformats.org/drawingml/2006/main" xmlns:r="http://schemas.openxmlformats.org/officeDocument/2006/relationships" xmlns:p="http://schemas.openxmlformats.org/presentationml/2006/main">
+  <p:cSld>
+    <p:spTree>
+      <p:nvGrpSpPr>
+        <p:cNvPr id="1" name=""/>
+        <p:cNvGrpSpPr/>
+        <p:nvPr/>
+      </p:nvGrpSpPr>
+      <p:grpSpPr>
+        <a:xfrm>
+          <a:off x="0" y="0"/>
+          <a:ext cx="0" cy="0"/>
+          <a:chOff x="0" y="0"/>
+          <a:chExt cx="0" cy="0"/>
+        </a:xfrm>
+      </p:grpSpPr>
+      <p:sp>
+        <p:nvSpPr>
+          <p:cNvPr id="2" name="Title 1"/>
+          <p:cNvSpPr>
+            <a:spLocks noGrp="1"/>
+          </p:cNvSpPr>
+          <p:nvPr>
+            <p:ph type="title"/>
+          </p:nvPr>
+        </p:nvSpPr>
+        <p:spPr>
+          <a:xfrm>
+            <a:off x="3276600" y="2743200"/>
+            <a:ext cx="5029200" cy="1143000"/>
+          </a:xfrm>
+        </p:spPr>
+        <p:txBody>
+          <a:bodyPr/>
+          <a:lstStyle/>
+          <a:p>
+            <a:r>
+              <a:rPr lang="en-US" dirty="0" smtClean="0"/>
+              <a:t>State Chart Diagram</a:t>
+            </a:r>
+            <a:endParaRPr lang="en-US" dirty="0"/>
+          </a:p>
+        </p:txBody>
+      </p:sp>
+      <p:pic>
+        <p:nvPicPr>
+          <p:cNvPr id="8195" name="Picture 3"/>
+          <p:cNvPicPr>
+            <a:picLocks noChangeAspect="1" noChangeArrowheads="1"/>
+          </p:cNvPicPr>
+          <p:nvPr/>
+        </p:nvPicPr>
+        <p:blipFill>
+          <a:blip r:embed="rId2" cstate="print"/>
+          <a:srcRect/>
+          <a:stretch>
+            <a:fillRect/>
+          </a:stretch>
+        </p:blipFill>
+        <p:spPr bwMode="auto">
+          <a:xfrm>
+            <a:off x="1219200" y="304800"/>
+            <a:ext cx="2038350" cy="6086475"/>
+          </a:xfrm>
+          <a:prstGeom prst="rect">
+            <a:avLst/>
+          </a:prstGeom>
+          <a:noFill/>
+          <a:ln w="9525">
+            <a:noFill/>
+            <a:miter lim="800000"/>
+            <a:headEnd/>
+            <a:tailEnd/>
+          </a:ln>
+        </p:spPr>
+      </p:pic>
+    </p:spTree>
+  </p:cSld>
+  <p:clrMapOvr>
+    <a:masterClrMapping/>
+  </p:clrMapOvr>
+</p:sld>
+</file>
+
+<file path=ppt/slides/slide17.xml><?xml version="1.0" encoding="utf-8"?>
+<p:sld xmlns:a="http://schemas.openxmlformats.org/drawingml/2006/main" xmlns:r="http://schemas.openxmlformats.org/officeDocument/2006/relationships" xmlns:p="http://schemas.openxmlformats.org/presentationml/2006/main">
+  <p:cSld>
+    <p:spTree>
+      <p:nvGrpSpPr>
+        <p:cNvPr id="1" name=""/>
+        <p:cNvGrpSpPr/>
+        <p:nvPr/>
+      </p:nvGrpSpPr>
+      <p:grpSpPr>
+        <a:xfrm>
+          <a:off x="0" y="0"/>
+          <a:ext cx="0" cy="0"/>
+          <a:chOff x="0" y="0"/>
+          <a:chExt cx="0" cy="0"/>
+        </a:xfrm>
+      </p:grpSpPr>
+      <p:sp>
+        <p:nvSpPr>
+          <p:cNvPr id="2" name="Title 1"/>
+          <p:cNvSpPr>
+            <a:spLocks noGrp="1"/>
+          </p:cNvSpPr>
+          <p:nvPr>
+            <p:ph type="title"/>
+          </p:nvPr>
+        </p:nvSpPr>
+        <p:spPr/>
+        <p:txBody>
+          <a:bodyPr/>
+          <a:lstStyle/>
+          <a:p>
+            <a:r>
+              <a:rPr lang="en-US" dirty="0" smtClean="0"/>
+              <a:t>Design/Verification</a:t>
+            </a:r>
+            <a:endParaRPr lang="en-US" dirty="0"/>
+          </a:p>
+        </p:txBody>
+      </p:sp>
+      <p:sp>
+        <p:nvSpPr>
+          <p:cNvPr id="3" name="Content Placeholder 2"/>
+          <p:cNvSpPr>
+            <a:spLocks noGrp="1"/>
+          </p:cNvSpPr>
+          <p:nvPr>
+            <p:ph idx="1"/>
+          </p:nvPr>
+        </p:nvSpPr>
+        <p:spPr/>
+        <p:txBody>
+          <a:bodyPr/>
+          <a:lstStyle/>
+          <a:p>
+            <a:r>
+              <a:rPr lang="en-US" dirty="0" smtClean="0"/>
+              <a:t>Testing/verification</a:t>
+            </a:r>
+          </a:p>
+          <a:p>
+            <a:r>
+              <a:rPr lang="en-US" dirty="0" smtClean="0"/>
+              <a:t>Compare against original design</a:t>
+            </a:r>
+          </a:p>
+          <a:p>
+            <a:r>
+              <a:rPr lang="en-US" dirty="0" smtClean="0"/>
+              <a:t>User feedback</a:t>
+            </a:r>
+          </a:p>
+          <a:p>
+            <a:endParaRPr lang="en-US" dirty="0"/>
+          </a:p>
+        </p:txBody>
+      </p:sp>
+    </p:spTree>
+  </p:cSld>
+  <p:clrMapOvr>
+    <a:masterClrMapping/>
+  </p:clrMapOvr>
+</p:sld>
+</file>
+
+<file path=ppt/slides/slide18.xml><?xml version="1.0" encoding="utf-8"?>
+<p:sld xmlns:a="http://schemas.openxmlformats.org/drawingml/2006/main" xmlns:r="http://schemas.openxmlformats.org/officeDocument/2006/relationships" xmlns:p="http://schemas.openxmlformats.org/presentationml/2006/main">
+  <p:cSld>
+    <p:spTree>
+      <p:nvGrpSpPr>
+        <p:cNvPr id="1" name=""/>
+        <p:cNvGrpSpPr/>
+        <p:nvPr/>
+      </p:nvGrpSpPr>
+      <p:grpSpPr>
+        <a:xfrm>
+          <a:off x="0" y="0"/>
+          <a:ext cx="0" cy="0"/>
+          <a:chOff x="0" y="0"/>
+          <a:chExt cx="0" cy="0"/>
+        </a:xfrm>
+      </p:grpSpPr>
+      <p:sp>
+        <p:nvSpPr>
+          <p:cNvPr id="11266" name="Title 1"/>
+          <p:cNvSpPr>
+            <a:spLocks noGrp="1"/>
+          </p:cNvSpPr>
+          <p:nvPr>
+            <p:ph type="title"/>
+          </p:nvPr>
+        </p:nvSpPr>
+        <p:spPr/>
+        <p:txBody>
+          <a:bodyPr/>
+          <a:lstStyle/>
+          <a:p>
+            <a:r>
+              <a:rPr lang="en-GB" altLang="en-US" smtClean="0"/>
+              <a:t>Summary</a:t>
+            </a:r>
+          </a:p>
+        </p:txBody>
+      </p:sp>
+      <p:sp>
+        <p:nvSpPr>
+          <p:cNvPr id="11267" name="Content Placeholder 2"/>
+          <p:cNvSpPr>
+            <a:spLocks noGrp="1"/>
+          </p:cNvSpPr>
+          <p:nvPr>
+            <p:ph idx="1"/>
+          </p:nvPr>
+        </p:nvSpPr>
+        <p:spPr/>
+        <p:txBody>
+          <a:bodyPr/>
+          <a:lstStyle/>
+          <a:p>
+            <a:r>
+              <a:rPr lang="en-GB" altLang="en-US" dirty="0" smtClean="0"/>
+              <a:t>Example Problem/Solution</a:t>
+            </a:r>
+          </a:p>
+          <a:p>
+            <a:r>
+              <a:rPr lang="en-GB" altLang="en-US" dirty="0" smtClean="0"/>
+              <a:t>Review Questions</a:t>
+            </a:r>
+            <a:endParaRPr lang="en-GB" altLang="en-US" dirty="0" smtClean="0"/>
+          </a:p>
+          <a:p>
+            <a:endParaRPr lang="en-GB" altLang="en-US" dirty="0" smtClean="0"/>
+          </a:p>
+        </p:txBody>
+      </p:sp>
+    </p:spTree>
+  </p:cSld>
+  <p:clrMapOvr>
+    <a:masterClrMapping/>
+  </p:clrMapOvr>
+  <p:timing>
+    <p:tnLst>
+      <p:par>
+        <p:cTn id="1" dur="indefinite" restart="never" nodeType="tmRoot"/>
+      </p:par>
+    </p:tnLst>
+  </p:timing>
+</p:sld>
+</file>
+
+<file path=ppt/slides/slide19.xml><?xml version="1.0" encoding="utf-8"?>
+<p:sld xmlns:a="http://schemas.openxmlformats.org/drawingml/2006/main" xmlns:r="http://schemas.openxmlformats.org/officeDocument/2006/relationships" xmlns:p="http://schemas.openxmlformats.org/presentationml/2006/main">
+  <p:cSld>
+    <p:spTree>
+      <p:nvGrpSpPr>
+        <p:cNvPr id="1" name=""/>
+        <p:cNvGrpSpPr/>
+        <p:nvPr/>
+      </p:nvGrpSpPr>
+      <p:grpSpPr>
+        <a:xfrm>
+          <a:off x="0" y="0"/>
+          <a:ext cx="0" cy="0"/>
+          <a:chOff x="0" y="0"/>
+          <a:chExt cx="0" cy="0"/>
+        </a:xfrm>
+      </p:grpSpPr>
+      <p:sp>
+        <p:nvSpPr>
+          <p:cNvPr id="12290" name="Title 1"/>
+          <p:cNvSpPr>
+            <a:spLocks noGrp="1"/>
+          </p:cNvSpPr>
+          <p:nvPr>
+            <p:ph type="title"/>
+          </p:nvPr>
+        </p:nvSpPr>
+        <p:spPr/>
+        <p:txBody>
+          <a:bodyPr/>
+          <a:lstStyle/>
+          <a:p>
+            <a:r>
+              <a:rPr lang="en-GB" altLang="en-US" smtClean="0"/>
+              <a:t>This Week</a:t>
+            </a:r>
+          </a:p>
+        </p:txBody>
+      </p:sp>
+      <p:sp>
+        <p:nvSpPr>
+          <p:cNvPr id="12291" name="Content Placeholder 2"/>
+          <p:cNvSpPr>
+            <a:spLocks noGrp="1"/>
+          </p:cNvSpPr>
+          <p:nvPr>
+            <p:ph idx="1"/>
+          </p:nvPr>
+        </p:nvSpPr>
+        <p:spPr/>
+        <p:txBody>
+          <a:bodyPr/>
+          <a:lstStyle/>
+          <a:p>
+            <a:r>
+              <a:rPr lang="en-GB" altLang="en-US" dirty="0" smtClean="0"/>
+              <a:t>Review Slides</a:t>
+            </a:r>
+          </a:p>
+          <a:p>
+            <a:r>
+              <a:rPr lang="en-GB" altLang="en-US" dirty="0" smtClean="0"/>
+              <a:t>Coursework</a:t>
+            </a:r>
+          </a:p>
+          <a:p>
+            <a:r>
+              <a:rPr lang="en-GB" altLang="en-US" dirty="0" smtClean="0"/>
+              <a:t>Reviewing Quiz Questions</a:t>
+            </a:r>
+          </a:p>
+          <a:p>
+            <a:r>
+              <a:rPr lang="en-GB" altLang="en-US" dirty="0" smtClean="0"/>
+              <a:t>Reviewing Associated Chapter</a:t>
+            </a:r>
+          </a:p>
+          <a:p>
+            <a:pPr>
+              <a:buNone/>
+            </a:pPr>
+            <a:endParaRPr lang="en-GB" altLang="en-US" dirty="0" smtClean="0"/>
+          </a:p>
+        </p:txBody>
+      </p:sp>
+    </p:spTree>
+  </p:cSld>
+  <p:clrMapOvr>
+    <a:masterClrMapping/>
+  </p:clrMapOvr>
+  <p:timing>
+    <p:tnLst>
+      <p:par>
+        <p:cTn id="1" dur="indefinite" restart="never" nodeType="tmRoot"/>
+      </p:par>
+    </p:tnLst>
+  </p:timing>
+</p:sld>
+</file>
+
 <file path=ppt/slides/slide2.xml><?xml version="1.0" encoding="utf-8"?>
 <p:sld xmlns:a="http://schemas.openxmlformats.org/drawingml/2006/main" xmlns:r="http://schemas.openxmlformats.org/officeDocument/2006/relationships" xmlns:p="http://schemas.openxmlformats.org/presentationml/2006/main">
   <p:cSld>
@@ -3929,9 +4885,98 @@
           <a:p>
             <a:pPr eaLnBrk="1" hangingPunct="1"/>
             <a:r>
-              <a:rPr lang="en-US" altLang="en-US" smtClean="0"/>
-              <a:t>Examples</a:t>
-            </a:r>
+              <a:rPr lang="en-US" altLang="en-US" dirty="0" smtClean="0"/>
+              <a:t>Review</a:t>
+            </a:r>
+          </a:p>
+          <a:p>
+            <a:pPr eaLnBrk="1" hangingPunct="1"/>
+            <a:r>
+              <a:rPr lang="en-US" altLang="en-US" dirty="0" smtClean="0"/>
+              <a:t>Bringing together all the concepts</a:t>
+            </a:r>
+          </a:p>
+          <a:p>
+            <a:pPr eaLnBrk="1" hangingPunct="1"/>
+            <a:r>
+              <a:rPr lang="en-US" altLang="en-US" dirty="0" smtClean="0"/>
+              <a:t>Example</a:t>
+            </a:r>
+          </a:p>
+        </p:txBody>
+      </p:sp>
+    </p:spTree>
+  </p:cSld>
+  <p:clrMapOvr>
+    <a:masterClrMapping/>
+  </p:clrMapOvr>
+  <p:timing>
+    <p:tnLst>
+      <p:par>
+        <p:cTn id="1" dur="indefinite" restart="never" nodeType="tmRoot"/>
+      </p:par>
+    </p:tnLst>
+  </p:timing>
+</p:sld>
+</file>
+
+<file path=ppt/slides/slide20.xml><?xml version="1.0" encoding="utf-8"?>
+<p:sld xmlns:a="http://schemas.openxmlformats.org/drawingml/2006/main" xmlns:r="http://schemas.openxmlformats.org/officeDocument/2006/relationships" xmlns:p="http://schemas.openxmlformats.org/presentationml/2006/main">
+  <p:cSld>
+    <p:spTree>
+      <p:nvGrpSpPr>
+        <p:cNvPr id="1" name=""/>
+        <p:cNvGrpSpPr/>
+        <p:nvPr/>
+      </p:nvGrpSpPr>
+      <p:grpSpPr>
+        <a:xfrm>
+          <a:off x="0" y="0"/>
+          <a:ext cx="0" cy="0"/>
+          <a:chOff x="0" y="0"/>
+          <a:chExt cx="0" cy="0"/>
+        </a:xfrm>
+      </p:grpSpPr>
+      <p:sp>
+        <p:nvSpPr>
+          <p:cNvPr id="13314" name="Title 1"/>
+          <p:cNvSpPr>
+            <a:spLocks noGrp="1"/>
+          </p:cNvSpPr>
+          <p:nvPr>
+            <p:ph type="title"/>
+          </p:nvPr>
+        </p:nvSpPr>
+        <p:spPr/>
+        <p:txBody>
+          <a:bodyPr/>
+          <a:lstStyle/>
+          <a:p>
+            <a:pPr eaLnBrk="1" hangingPunct="1"/>
+            <a:r>
+              <a:rPr lang="en-GB" altLang="en-US" smtClean="0"/>
+              <a:t>Questions/Discussion</a:t>
+            </a:r>
+          </a:p>
+        </p:txBody>
+      </p:sp>
+      <p:sp>
+        <p:nvSpPr>
+          <p:cNvPr id="13315" name="Content Placeholder 2"/>
+          <p:cNvSpPr>
+            <a:spLocks noGrp="1"/>
+          </p:cNvSpPr>
+          <p:nvPr>
+            <p:ph idx="1"/>
+          </p:nvPr>
+        </p:nvSpPr>
+        <p:spPr/>
+        <p:txBody>
+          <a:bodyPr/>
+          <a:lstStyle/>
+          <a:p>
+            <a:pPr eaLnBrk="1" hangingPunct="1"/>
+            <a:endParaRPr lang="en-GB" altLang="en-US" smtClean="0"/>
           </a:p>
         </p:txBody>
       </p:sp>
@@ -3969,7 +5014,7 @@
       </p:grpSpPr>
       <p:sp>
         <p:nvSpPr>
-          <p:cNvPr id="11266" name="Title 1"/>
+          <p:cNvPr id="2" name="Title 1"/>
           <p:cNvSpPr>
             <a:spLocks noGrp="1"/>
           </p:cNvSpPr>
@@ -3983,15 +5028,16 @@
           <a:lstStyle/>
           <a:p>
             <a:r>
-              <a:rPr lang="en-GB" altLang="en-US" smtClean="0"/>
-              <a:t>Summary</a:t>
-            </a:r>
-          </a:p>
-        </p:txBody>
-      </p:sp>
-      <p:sp>
-        <p:nvSpPr>
-          <p:cNvPr id="11267" name="Content Placeholder 2"/>
+              <a:rPr lang="en-US" dirty="0" smtClean="0"/>
+              <a:t>Example</a:t>
+            </a:r>
+            <a:endParaRPr lang="en-US" dirty="0"/>
+          </a:p>
+        </p:txBody>
+      </p:sp>
+      <p:sp>
+        <p:nvSpPr>
+          <p:cNvPr id="3" name="Content Placeholder 2"/>
           <p:cNvSpPr>
             <a:spLocks noGrp="1"/>
           </p:cNvSpPr>
@@ -4005,9 +5051,19 @@
           <a:lstStyle/>
           <a:p>
             <a:r>
-              <a:rPr lang="en-GB" altLang="en-US" smtClean="0"/>
-              <a:t>Examples</a:t>
-            </a:r>
+              <a:rPr lang="en-US" dirty="0" smtClean="0"/>
+              <a:t>Complex System</a:t>
+            </a:r>
+          </a:p>
+          <a:p>
+            <a:r>
+              <a:rPr lang="en-US" dirty="0" smtClean="0"/>
+              <a:t>Develop Solution</a:t>
+            </a:r>
+            <a:endParaRPr lang="en-US" dirty="0" smtClean="0"/>
+          </a:p>
+          <a:p>
+            <a:endParaRPr lang="en-US" dirty="0" smtClean="0"/>
           </a:p>
         </p:txBody>
       </p:sp>
@@ -4016,13 +5072,6 @@
   <p:clrMapOvr>
     <a:masterClrMapping/>
   </p:clrMapOvr>
-  <p:timing>
-    <p:tnLst>
-      <p:par>
-        <p:cTn id="1" dur="indefinite" restart="never" nodeType="tmRoot"/>
-      </p:par>
-    </p:tnLst>
-  </p:timing>
 </p:sld>
 </file>
 
@@ -4045,7 +5094,7 @@
       </p:grpSpPr>
       <p:sp>
         <p:nvSpPr>
-          <p:cNvPr id="12290" name="Title 1"/>
+          <p:cNvPr id="2" name="Title 1"/>
           <p:cNvSpPr>
             <a:spLocks noGrp="1"/>
           </p:cNvSpPr>
@@ -4059,15 +5108,16 @@
           <a:lstStyle/>
           <a:p>
             <a:r>
-              <a:rPr lang="en-GB" altLang="en-US" smtClean="0"/>
-              <a:t>This Week</a:t>
-            </a:r>
-          </a:p>
-        </p:txBody>
-      </p:sp>
-      <p:sp>
-        <p:nvSpPr>
-          <p:cNvPr id="12291" name="Content Placeholder 2"/>
+              <a:rPr lang="en-US" dirty="0" smtClean="0"/>
+              <a:t>Course Registration System</a:t>
+            </a:r>
+            <a:endParaRPr lang="en-US" dirty="0"/>
+          </a:p>
+        </p:txBody>
+      </p:sp>
+      <p:sp>
+        <p:nvSpPr>
+          <p:cNvPr id="3" name="Content Placeholder 2"/>
           <p:cNvSpPr>
             <a:spLocks noGrp="1"/>
           </p:cNvSpPr>
@@ -4081,15 +5131,45 @@
           <a:lstStyle/>
           <a:p>
             <a:r>
-              <a:rPr lang="en-GB" altLang="en-US" smtClean="0"/>
-              <a:t>Review Slides</a:t>
-            </a:r>
-          </a:p>
-          <a:p>
-            <a:r>
-              <a:rPr lang="en-GB" altLang="en-US" smtClean="0"/>
-              <a:t>Read Chapter 1-10</a:t>
-            </a:r>
+              <a:rPr lang="en-US" dirty="0" smtClean="0"/>
+              <a:t>What </a:t>
+            </a:r>
+            <a:r>
+              <a:rPr lang="en-US" dirty="0" smtClean="0"/>
+              <a:t>are we trying to build</a:t>
+            </a:r>
+            <a:r>
+              <a:rPr lang="en-US" dirty="0" smtClean="0"/>
+              <a:t>?</a:t>
+            </a:r>
+          </a:p>
+          <a:p>
+            <a:r>
+              <a:rPr lang="en-US" dirty="0" smtClean="0"/>
+              <a:t>Customer’s problem?</a:t>
+            </a:r>
+          </a:p>
+          <a:p>
+            <a:r>
+              <a:rPr lang="en-US" dirty="0" smtClean="0"/>
+              <a:t>Expand upon the vision statement and associated high-level requirements and constraints</a:t>
+            </a:r>
+          </a:p>
+          <a:p>
+            <a:r>
+              <a:rPr lang="en-US" dirty="0" smtClean="0"/>
+              <a:t>Researching/evidencing</a:t>
+            </a:r>
+          </a:p>
+          <a:p>
+            <a:pPr lvl="1"/>
+            <a:r>
+              <a:rPr lang="en-US" dirty="0" smtClean="0"/>
+              <a:t>Facts</a:t>
+            </a:r>
+          </a:p>
+          <a:p>
+            <a:endParaRPr lang="en-US" dirty="0"/>
           </a:p>
         </p:txBody>
       </p:sp>
@@ -4098,13 +5178,6 @@
   <p:clrMapOvr>
     <a:masterClrMapping/>
   </p:clrMapOvr>
-  <p:timing>
-    <p:tnLst>
-      <p:par>
-        <p:cTn id="1" dur="indefinite" restart="never" nodeType="tmRoot"/>
-      </p:par>
-    </p:tnLst>
-  </p:timing>
 </p:sld>
 </file>
 
@@ -4127,7 +5200,7 @@
       </p:grpSpPr>
       <p:sp>
         <p:nvSpPr>
-          <p:cNvPr id="13314" name="Title 1"/>
+          <p:cNvPr id="2" name="Title 1"/>
           <p:cNvSpPr>
             <a:spLocks noGrp="1"/>
           </p:cNvSpPr>
@@ -4140,17 +5213,17 @@
           <a:bodyPr/>
           <a:lstStyle/>
           <a:p>
-            <a:pPr eaLnBrk="1" hangingPunct="1"/>
-            <a:r>
-              <a:rPr lang="en-GB" altLang="en-US" smtClean="0"/>
-              <a:t>Questions/Discussion</a:t>
-            </a:r>
-          </a:p>
-        </p:txBody>
-      </p:sp>
-      <p:sp>
-        <p:nvSpPr>
-          <p:cNvPr id="13315" name="Content Placeholder 2"/>
+            <a:r>
+              <a:rPr lang="en-US" dirty="0" smtClean="0"/>
+              <a:t>Simplification</a:t>
+            </a:r>
+            <a:endParaRPr lang="en-US" dirty="0"/>
+          </a:p>
+        </p:txBody>
+      </p:sp>
+      <p:sp>
+        <p:nvSpPr>
+          <p:cNvPr id="3" name="Content Placeholder 2"/>
           <p:cNvSpPr>
             <a:spLocks noGrp="1"/>
           </p:cNvSpPr>
@@ -4163,8 +5236,17 @@
           <a:bodyPr/>
           <a:lstStyle/>
           <a:p>
-            <a:pPr eaLnBrk="1" hangingPunct="1"/>
-            <a:endParaRPr lang="en-GB" altLang="en-US" smtClean="0"/>
+            <a:r>
+              <a:rPr lang="en-US" dirty="0" smtClean="0"/>
+              <a:t>Develop simplified perspective of the problem</a:t>
+            </a:r>
+          </a:p>
+          <a:p>
+            <a:r>
+              <a:rPr lang="en-US" dirty="0" smtClean="0"/>
+              <a:t>Levels to manage the complexity</a:t>
+            </a:r>
+            <a:endParaRPr lang="en-US" dirty="0"/>
           </a:p>
         </p:txBody>
       </p:sp>
@@ -4173,13 +5255,740 @@
   <p:clrMapOvr>
     <a:masterClrMapping/>
   </p:clrMapOvr>
-  <p:timing>
-    <p:tnLst>
-      <p:par>
-        <p:cTn id="1" dur="indefinite" restart="never" nodeType="tmRoot"/>
-      </p:par>
-    </p:tnLst>
-  </p:timing>
+</p:sld>
+</file>
+
+<file path=ppt/slides/slide6.xml><?xml version="1.0" encoding="utf-8"?>
+<p:sld xmlns:a="http://schemas.openxmlformats.org/drawingml/2006/main" xmlns:r="http://schemas.openxmlformats.org/officeDocument/2006/relationships" xmlns:p="http://schemas.openxmlformats.org/presentationml/2006/main">
+  <p:cSld>
+    <p:spTree>
+      <p:nvGrpSpPr>
+        <p:cNvPr id="1" name=""/>
+        <p:cNvGrpSpPr/>
+        <p:nvPr/>
+      </p:nvGrpSpPr>
+      <p:grpSpPr>
+        <a:xfrm>
+          <a:off x="0" y="0"/>
+          <a:ext cx="0" cy="0"/>
+          <a:chOff x="0" y="0"/>
+          <a:chExt cx="0" cy="0"/>
+        </a:xfrm>
+      </p:grpSpPr>
+      <p:sp>
+        <p:nvSpPr>
+          <p:cNvPr id="2" name="Title 1"/>
+          <p:cNvSpPr>
+            <a:spLocks noGrp="1"/>
+          </p:cNvSpPr>
+          <p:nvPr>
+            <p:ph type="title"/>
+          </p:nvPr>
+        </p:nvSpPr>
+        <p:spPr/>
+        <p:txBody>
+          <a:bodyPr/>
+          <a:lstStyle/>
+          <a:p>
+            <a:r>
+              <a:rPr lang="en-US" dirty="0" smtClean="0"/>
+              <a:t>Ground-Work</a:t>
+            </a:r>
+            <a:endParaRPr lang="en-US" dirty="0"/>
+          </a:p>
+        </p:txBody>
+      </p:sp>
+      <p:sp>
+        <p:nvSpPr>
+          <p:cNvPr id="3" name="Content Placeholder 2"/>
+          <p:cNvSpPr>
+            <a:spLocks noGrp="1"/>
+          </p:cNvSpPr>
+          <p:nvPr>
+            <p:ph idx="1"/>
+          </p:nvPr>
+        </p:nvSpPr>
+        <p:spPr/>
+        <p:txBody>
+          <a:bodyPr/>
+          <a:lstStyle/>
+          <a:p>
+            <a:r>
+              <a:rPr lang="en-US" dirty="0" smtClean="0"/>
+              <a:t>Engineering Steps</a:t>
+            </a:r>
+          </a:p>
+          <a:p>
+            <a:r>
+              <a:rPr lang="en-US" dirty="0" smtClean="0"/>
+              <a:t>Realization of a Successful System</a:t>
+            </a:r>
+          </a:p>
+          <a:p>
+            <a:r>
+              <a:rPr lang="en-US" dirty="0" smtClean="0"/>
+              <a:t>System Requirements</a:t>
+            </a:r>
+          </a:p>
+          <a:p>
+            <a:r>
+              <a:rPr lang="en-US" dirty="0" smtClean="0"/>
+              <a:t>Elements and Sub-Systems</a:t>
+            </a:r>
+          </a:p>
+          <a:p>
+            <a:r>
+              <a:rPr lang="en-US" dirty="0" smtClean="0"/>
+              <a:t>Allocation and Interconnection </a:t>
+            </a:r>
+          </a:p>
+          <a:p>
+            <a:pPr lvl="1"/>
+            <a:r>
+              <a:rPr lang="en-US" dirty="0" smtClean="0"/>
+              <a:t>Meet the System Requirements</a:t>
+            </a:r>
+            <a:endParaRPr lang="en-US" dirty="0"/>
+          </a:p>
+        </p:txBody>
+      </p:sp>
+    </p:spTree>
+  </p:cSld>
+  <p:clrMapOvr>
+    <a:masterClrMapping/>
+  </p:clrMapOvr>
+</p:sld>
+</file>
+
+<file path=ppt/slides/slide7.xml><?xml version="1.0" encoding="utf-8"?>
+<p:sld xmlns:a="http://schemas.openxmlformats.org/drawingml/2006/main" xmlns:r="http://schemas.openxmlformats.org/officeDocument/2006/relationships" xmlns:p="http://schemas.openxmlformats.org/presentationml/2006/main">
+  <p:cSld>
+    <p:spTree>
+      <p:nvGrpSpPr>
+        <p:cNvPr id="1" name=""/>
+        <p:cNvGrpSpPr/>
+        <p:nvPr/>
+      </p:nvGrpSpPr>
+      <p:grpSpPr>
+        <a:xfrm>
+          <a:off x="0" y="0"/>
+          <a:ext cx="0" cy="0"/>
+          <a:chOff x="0" y="0"/>
+          <a:chExt cx="0" cy="0"/>
+        </a:xfrm>
+      </p:grpSpPr>
+      <p:sp>
+        <p:nvSpPr>
+          <p:cNvPr id="5" name="TextBox 4"/>
+          <p:cNvSpPr txBox="1"/>
+          <p:nvPr/>
+        </p:nvSpPr>
+        <p:spPr>
+          <a:xfrm>
+            <a:off x="762000" y="533400"/>
+            <a:ext cx="7772400" cy="5632311"/>
+          </a:xfrm>
+          <a:prstGeom prst="rect">
+            <a:avLst/>
+          </a:prstGeom>
+          <a:noFill/>
+        </p:spPr>
+        <p:txBody>
+          <a:bodyPr wrap="square" rtlCol="0">
+            <a:spAutoFit/>
+          </a:bodyPr>
+          <a:lstStyle/>
+          <a:p>
+            <a:endParaRPr lang="en-US" sz="2000" dirty="0" smtClean="0">
+              <a:solidFill>
+                <a:schemeClr val="bg2"/>
+              </a:solidFill>
+            </a:endParaRPr>
+          </a:p>
+          <a:p>
+            <a:r>
+              <a:rPr lang="en-US" sz="2000" dirty="0" smtClean="0">
+                <a:solidFill>
+                  <a:schemeClr val="bg2"/>
+                </a:solidFill>
+              </a:rPr>
+              <a:t>Vision Statement</a:t>
+            </a:r>
+          </a:p>
+          <a:p>
+            <a:pPr lvl="1">
+              <a:buFont typeface="Arial" pitchFamily="34" charset="0"/>
+              <a:buChar char="•"/>
+            </a:pPr>
+            <a:r>
+              <a:rPr lang="en-US" sz="2000" dirty="0" smtClean="0">
+                <a:solidFill>
+                  <a:schemeClr val="bg2"/>
+                </a:solidFill>
+              </a:rPr>
+              <a:t>Provide </a:t>
+            </a:r>
+            <a:r>
+              <a:rPr lang="en-US" sz="2000" dirty="0" smtClean="0">
+                <a:solidFill>
+                  <a:schemeClr val="bg2"/>
+                </a:solidFill>
+              </a:rPr>
+              <a:t>an effective and affordable </a:t>
+            </a:r>
+            <a:r>
+              <a:rPr lang="en-US" sz="2000" dirty="0" smtClean="0">
+                <a:solidFill>
+                  <a:schemeClr val="bg2"/>
+                </a:solidFill>
+              </a:rPr>
+              <a:t>course registration </a:t>
+            </a:r>
+            <a:r>
+              <a:rPr lang="en-US" sz="2000" dirty="0" smtClean="0">
+                <a:solidFill>
+                  <a:schemeClr val="bg2"/>
+                </a:solidFill>
+              </a:rPr>
+              <a:t>service for students</a:t>
+            </a:r>
+          </a:p>
+          <a:p>
+            <a:endParaRPr lang="en-US" sz="2000" dirty="0" smtClean="0">
+              <a:solidFill>
+                <a:schemeClr val="bg2"/>
+              </a:solidFill>
+            </a:endParaRPr>
+          </a:p>
+          <a:p>
+            <a:r>
+              <a:rPr lang="en-US" sz="2000" dirty="0" smtClean="0">
+                <a:solidFill>
+                  <a:schemeClr val="bg2"/>
+                </a:solidFill>
+              </a:rPr>
+              <a:t>Functional Requirements</a:t>
+            </a:r>
+          </a:p>
+          <a:p>
+            <a:pPr lvl="1">
+              <a:buFont typeface="Arial" pitchFamily="34" charset="0"/>
+              <a:buChar char="•"/>
+            </a:pPr>
+            <a:r>
+              <a:rPr lang="en-US" sz="2000" dirty="0" smtClean="0">
+                <a:solidFill>
+                  <a:schemeClr val="bg2"/>
+                </a:solidFill>
+              </a:rPr>
+              <a:t>Provide course registration </a:t>
+            </a:r>
+            <a:r>
+              <a:rPr lang="en-US" sz="2000" dirty="0" smtClean="0">
+                <a:solidFill>
+                  <a:schemeClr val="bg2"/>
+                </a:solidFill>
+              </a:rPr>
+              <a:t>service</a:t>
+            </a:r>
+          </a:p>
+          <a:p>
+            <a:pPr lvl="1">
+              <a:buFont typeface="Arial" pitchFamily="34" charset="0"/>
+              <a:buChar char="•"/>
+            </a:pPr>
+            <a:r>
+              <a:rPr lang="en-US" sz="2000" dirty="0" smtClean="0">
+                <a:solidFill>
+                  <a:schemeClr val="bg2"/>
+                </a:solidFill>
+              </a:rPr>
+              <a:t>Operate </a:t>
+            </a:r>
+            <a:r>
+              <a:rPr lang="en-US" sz="2000" dirty="0" smtClean="0">
+                <a:solidFill>
+                  <a:schemeClr val="bg2"/>
+                </a:solidFill>
+              </a:rPr>
+              <a:t>the </a:t>
+            </a:r>
+            <a:r>
+              <a:rPr lang="en-US" sz="2000" dirty="0" smtClean="0">
+                <a:solidFill>
+                  <a:schemeClr val="bg2"/>
+                </a:solidFill>
+              </a:rPr>
+              <a:t>course registration service</a:t>
+            </a:r>
+          </a:p>
+          <a:p>
+            <a:pPr lvl="1">
+              <a:buFont typeface="Arial" pitchFamily="34" charset="0"/>
+              <a:buChar char="•"/>
+            </a:pPr>
+            <a:r>
+              <a:rPr lang="en-US" sz="2000" dirty="0" smtClean="0">
+                <a:solidFill>
+                  <a:schemeClr val="bg2"/>
+                </a:solidFill>
+              </a:rPr>
+              <a:t>Maintain </a:t>
+            </a:r>
+            <a:r>
+              <a:rPr lang="en-US" sz="2000" dirty="0" smtClean="0">
+                <a:solidFill>
+                  <a:schemeClr val="bg2"/>
+                </a:solidFill>
+              </a:rPr>
+              <a:t>the </a:t>
+            </a:r>
+            <a:r>
+              <a:rPr lang="en-US" sz="2000" dirty="0" smtClean="0">
+                <a:solidFill>
+                  <a:schemeClr val="bg2"/>
+                </a:solidFill>
+              </a:rPr>
+              <a:t>course registration </a:t>
+            </a:r>
+            <a:r>
+              <a:rPr lang="en-US" sz="2000" dirty="0" smtClean="0">
+                <a:solidFill>
+                  <a:schemeClr val="bg2"/>
+                </a:solidFill>
+              </a:rPr>
+              <a:t>service</a:t>
+            </a:r>
+          </a:p>
+          <a:p>
+            <a:endParaRPr lang="en-US" sz="2000" dirty="0" smtClean="0">
+              <a:solidFill>
+                <a:schemeClr val="bg2"/>
+              </a:solidFill>
+            </a:endParaRPr>
+          </a:p>
+          <a:p>
+            <a:r>
+              <a:rPr lang="en-US" sz="2000" dirty="0" smtClean="0">
+                <a:solidFill>
+                  <a:schemeClr val="bg2"/>
+                </a:solidFill>
+              </a:rPr>
+              <a:t>Nonfunctional Requirements</a:t>
+            </a:r>
+          </a:p>
+          <a:p>
+            <a:pPr lvl="1">
+              <a:buFont typeface="Arial" pitchFamily="34" charset="0"/>
+              <a:buChar char="•"/>
+            </a:pPr>
+            <a:r>
+              <a:rPr lang="en-US" sz="2000" dirty="0" smtClean="0">
+                <a:solidFill>
+                  <a:schemeClr val="bg2"/>
+                </a:solidFill>
+              </a:rPr>
+              <a:t>Level </a:t>
+            </a:r>
+            <a:r>
+              <a:rPr lang="en-US" sz="2000" dirty="0" smtClean="0">
+                <a:solidFill>
+                  <a:schemeClr val="bg2"/>
+                </a:solidFill>
+              </a:rPr>
+              <a:t>of reliability to ensure adequate </a:t>
+            </a:r>
+            <a:r>
+              <a:rPr lang="en-US" sz="2000" dirty="0" smtClean="0">
+                <a:solidFill>
+                  <a:schemeClr val="bg2"/>
+                </a:solidFill>
+              </a:rPr>
+              <a:t>service </a:t>
+            </a:r>
+            <a:r>
+              <a:rPr lang="en-US" sz="2000" dirty="0" smtClean="0">
+                <a:solidFill>
+                  <a:schemeClr val="bg2"/>
+                </a:solidFill>
+              </a:rPr>
+              <a:t>guarantees</a:t>
+            </a:r>
+          </a:p>
+          <a:p>
+            <a:pPr lvl="1">
+              <a:buFont typeface="Arial" pitchFamily="34" charset="0"/>
+              <a:buChar char="•"/>
+            </a:pPr>
+            <a:r>
+              <a:rPr lang="en-US" sz="2000" dirty="0" smtClean="0">
+                <a:solidFill>
+                  <a:schemeClr val="bg2"/>
+                </a:solidFill>
+              </a:rPr>
+              <a:t>Sufficient </a:t>
+            </a:r>
+            <a:r>
+              <a:rPr lang="en-US" sz="2000" dirty="0" smtClean="0">
+                <a:solidFill>
+                  <a:schemeClr val="bg2"/>
+                </a:solidFill>
+              </a:rPr>
+              <a:t>accuracy to support current and future user needs</a:t>
+            </a:r>
+          </a:p>
+          <a:p>
+            <a:endParaRPr lang="en-US" sz="2000" dirty="0" smtClean="0">
+              <a:solidFill>
+                <a:schemeClr val="bg2"/>
+              </a:solidFill>
+            </a:endParaRPr>
+          </a:p>
+          <a:p>
+            <a:r>
+              <a:rPr lang="en-US" sz="2000" dirty="0" smtClean="0">
+                <a:solidFill>
+                  <a:schemeClr val="bg2"/>
+                </a:solidFill>
+              </a:rPr>
+              <a:t>Constraints</a:t>
+            </a:r>
+          </a:p>
+          <a:p>
+            <a:pPr lvl="1">
+              <a:buFont typeface="Arial" pitchFamily="34" charset="0"/>
+              <a:buChar char="•"/>
+            </a:pPr>
+            <a:r>
+              <a:rPr lang="en-US" sz="2000" dirty="0" smtClean="0">
+                <a:solidFill>
+                  <a:schemeClr val="bg2"/>
+                </a:solidFill>
+              </a:rPr>
+              <a:t>Compatibility </a:t>
+            </a:r>
+            <a:r>
+              <a:rPr lang="en-US" sz="2000" dirty="0" smtClean="0">
+                <a:solidFill>
+                  <a:schemeClr val="bg2"/>
+                </a:solidFill>
+              </a:rPr>
+              <a:t>with other systems/standards</a:t>
+            </a:r>
+          </a:p>
+          <a:p>
+            <a:pPr lvl="1">
+              <a:buFont typeface="Arial" pitchFamily="34" charset="0"/>
+              <a:buChar char="•"/>
+            </a:pPr>
+            <a:r>
+              <a:rPr lang="en-US" sz="2000" dirty="0" smtClean="0">
+                <a:solidFill>
+                  <a:schemeClr val="bg2"/>
+                </a:solidFill>
+              </a:rPr>
+              <a:t>Maximal </a:t>
+            </a:r>
+            <a:r>
+              <a:rPr lang="en-US" sz="2000" dirty="0" smtClean="0">
+                <a:solidFill>
+                  <a:schemeClr val="bg2"/>
+                </a:solidFill>
+              </a:rPr>
+              <a:t>use of commercial-off-the-shelf (COTS) hardware and software</a:t>
+            </a:r>
+            <a:endParaRPr lang="en-US" sz="2000" dirty="0">
+              <a:solidFill>
+                <a:schemeClr val="bg2"/>
+              </a:solidFill>
+            </a:endParaRPr>
+          </a:p>
+        </p:txBody>
+      </p:sp>
+    </p:spTree>
+  </p:cSld>
+  <p:clrMapOvr>
+    <a:masterClrMapping/>
+  </p:clrMapOvr>
+</p:sld>
+</file>
+
+<file path=ppt/slides/slide8.xml><?xml version="1.0" encoding="utf-8"?>
+<p:sld xmlns:a="http://schemas.openxmlformats.org/drawingml/2006/main" xmlns:r="http://schemas.openxmlformats.org/officeDocument/2006/relationships" xmlns:p="http://schemas.openxmlformats.org/presentationml/2006/main">
+  <p:cSld>
+    <p:spTree>
+      <p:nvGrpSpPr>
+        <p:cNvPr id="1" name=""/>
+        <p:cNvGrpSpPr/>
+        <p:nvPr/>
+      </p:nvGrpSpPr>
+      <p:grpSpPr>
+        <a:xfrm>
+          <a:off x="0" y="0"/>
+          <a:ext cx="0" cy="0"/>
+          <a:chOff x="0" y="0"/>
+          <a:chExt cx="0" cy="0"/>
+        </a:xfrm>
+      </p:grpSpPr>
+      <p:sp>
+        <p:nvSpPr>
+          <p:cNvPr id="2" name="Title 1"/>
+          <p:cNvSpPr>
+            <a:spLocks noGrp="1"/>
+          </p:cNvSpPr>
+          <p:nvPr>
+            <p:ph type="title"/>
+          </p:nvPr>
+        </p:nvSpPr>
+        <p:spPr>
+          <a:xfrm>
+            <a:off x="685800" y="152400"/>
+            <a:ext cx="7772400" cy="1143000"/>
+          </a:xfrm>
+        </p:spPr>
+        <p:txBody>
+          <a:bodyPr/>
+          <a:lstStyle/>
+          <a:p>
+            <a:r>
+              <a:rPr lang="en-US" dirty="0" smtClean="0"/>
+              <a:t>Basic Mechanics</a:t>
+            </a:r>
+            <a:endParaRPr lang="en-US" dirty="0"/>
+          </a:p>
+        </p:txBody>
+      </p:sp>
+      <p:sp>
+        <p:nvSpPr>
+          <p:cNvPr id="3" name="Content Placeholder 2"/>
+          <p:cNvSpPr>
+            <a:spLocks noGrp="1"/>
+          </p:cNvSpPr>
+          <p:nvPr>
+            <p:ph idx="1"/>
+          </p:nvPr>
+        </p:nvSpPr>
+        <p:spPr>
+          <a:xfrm>
+            <a:off x="533400" y="1371600"/>
+            <a:ext cx="8153400" cy="5181600"/>
+          </a:xfrm>
+        </p:spPr>
+        <p:txBody>
+          <a:bodyPr>
+            <a:normAutofit fontScale="62500" lnSpcReduction="20000"/>
+          </a:bodyPr>
+          <a:lstStyle/>
+          <a:p>
+            <a:pPr>
+              <a:buNone/>
+            </a:pPr>
+            <a:r>
+              <a:rPr lang="en-US" dirty="0" smtClean="0"/>
+              <a:t>Step 1</a:t>
+            </a:r>
+          </a:p>
+          <a:p>
+            <a:pPr>
+              <a:buNone/>
+            </a:pPr>
+            <a:r>
+              <a:rPr lang="en-US" dirty="0" smtClean="0"/>
+              <a:t>• Get the student registration number and his date of birth.</a:t>
+            </a:r>
+          </a:p>
+          <a:p>
+            <a:pPr>
+              <a:buNone/>
+            </a:pPr>
+            <a:r>
+              <a:rPr lang="en-US" dirty="0" smtClean="0"/>
+              <a:t>• The registration number should be verified with the existing database of valid registration numbers.</a:t>
+            </a:r>
+          </a:p>
+          <a:p>
+            <a:pPr>
+              <a:buNone/>
+            </a:pPr>
+            <a:r>
+              <a:rPr lang="en-US" dirty="0" smtClean="0"/>
+              <a:t>Step 2</a:t>
+            </a:r>
+          </a:p>
+          <a:p>
+            <a:pPr>
+              <a:buNone/>
+            </a:pPr>
+            <a:r>
+              <a:rPr lang="en-US" dirty="0" smtClean="0"/>
+              <a:t>• Get the cutoff.</a:t>
+            </a:r>
+          </a:p>
+          <a:p>
+            <a:pPr>
+              <a:buNone/>
+            </a:pPr>
+            <a:r>
+              <a:rPr lang="en-US" dirty="0" smtClean="0"/>
+              <a:t>• Compare the cutoffs and record the cutoff along with the student’s registration time.</a:t>
+            </a:r>
+          </a:p>
+          <a:p>
+            <a:pPr>
+              <a:buNone/>
+            </a:pPr>
+            <a:r>
+              <a:rPr lang="en-US" dirty="0" smtClean="0"/>
+              <a:t>Step 3</a:t>
+            </a:r>
+          </a:p>
+          <a:p>
+            <a:pPr>
+              <a:buNone/>
+            </a:pPr>
+            <a:r>
+              <a:rPr lang="en-US" dirty="0" smtClean="0"/>
+              <a:t>• Display the colleges, whose required cutoff is less than or equal to the student’s total cutoff mark.</a:t>
+            </a:r>
+          </a:p>
+          <a:p>
+            <a:pPr>
+              <a:buNone/>
+            </a:pPr>
+            <a:r>
+              <a:rPr lang="en-US" dirty="0" smtClean="0"/>
+              <a:t>• The student must choose his preferred college.</a:t>
+            </a:r>
+          </a:p>
+          <a:p>
+            <a:pPr>
+              <a:buNone/>
+            </a:pPr>
+            <a:r>
+              <a:rPr lang="en-US" dirty="0" smtClean="0"/>
+              <a:t>• Display the available courses in the selected college.</a:t>
+            </a:r>
+          </a:p>
+          <a:p>
+            <a:pPr>
+              <a:buNone/>
+            </a:pPr>
+            <a:r>
+              <a:rPr lang="en-US" dirty="0" smtClean="0"/>
+              <a:t>• The student must now choose his preferred course.</a:t>
+            </a:r>
+          </a:p>
+          <a:p>
+            <a:pPr>
+              <a:buNone/>
+            </a:pPr>
+            <a:r>
+              <a:rPr lang="en-US" dirty="0" smtClean="0"/>
+              <a:t>Step 4</a:t>
+            </a:r>
+          </a:p>
+          <a:p>
+            <a:pPr>
+              <a:buNone/>
+            </a:pPr>
+            <a:r>
+              <a:rPr lang="en-US" dirty="0" smtClean="0"/>
+              <a:t>• The student must finally be informed that he has been registered successfully</a:t>
+            </a:r>
+            <a:endParaRPr lang="en-US" dirty="0"/>
+          </a:p>
+        </p:txBody>
+      </p:sp>
+    </p:spTree>
+  </p:cSld>
+  <p:clrMapOvr>
+    <a:masterClrMapping/>
+  </p:clrMapOvr>
+</p:sld>
+</file>
+
+<file path=ppt/slides/slide9.xml><?xml version="1.0" encoding="utf-8"?>
+<p:sld xmlns:a="http://schemas.openxmlformats.org/drawingml/2006/main" xmlns:r="http://schemas.openxmlformats.org/officeDocument/2006/relationships" xmlns:p="http://schemas.openxmlformats.org/presentationml/2006/main">
+  <p:cSld>
+    <p:spTree>
+      <p:nvGrpSpPr>
+        <p:cNvPr id="1" name=""/>
+        <p:cNvGrpSpPr/>
+        <p:nvPr/>
+      </p:nvGrpSpPr>
+      <p:grpSpPr>
+        <a:xfrm>
+          <a:off x="0" y="0"/>
+          <a:ext cx="0" cy="0"/>
+          <a:chOff x="0" y="0"/>
+          <a:chExt cx="0" cy="0"/>
+        </a:xfrm>
+      </p:grpSpPr>
+      <p:sp>
+        <p:nvSpPr>
+          <p:cNvPr id="2" name="Title 1"/>
+          <p:cNvSpPr>
+            <a:spLocks noGrp="1"/>
+          </p:cNvSpPr>
+          <p:nvPr>
+            <p:ph type="title"/>
+          </p:nvPr>
+        </p:nvSpPr>
+        <p:spPr>
+          <a:xfrm>
+            <a:off x="3733800" y="2743200"/>
+            <a:ext cx="5105400" cy="1143000"/>
+          </a:xfrm>
+        </p:spPr>
+        <p:txBody>
+          <a:bodyPr/>
+          <a:lstStyle/>
+          <a:p>
+            <a:r>
+              <a:rPr lang="en-US" dirty="0" smtClean="0"/>
+              <a:t>Activity Diagram</a:t>
+            </a:r>
+            <a:endParaRPr lang="en-US" dirty="0"/>
+          </a:p>
+        </p:txBody>
+      </p:sp>
+      <p:pic>
+        <p:nvPicPr>
+          <p:cNvPr id="1026" name="Picture 2"/>
+          <p:cNvPicPr>
+            <a:picLocks noChangeAspect="1" noChangeArrowheads="1"/>
+          </p:cNvPicPr>
+          <p:nvPr/>
+        </p:nvPicPr>
+        <p:blipFill>
+          <a:blip r:embed="rId2" cstate="print"/>
+          <a:srcRect/>
+          <a:stretch>
+            <a:fillRect/>
+          </a:stretch>
+        </p:blipFill>
+        <p:spPr bwMode="auto">
+          <a:xfrm>
+            <a:off x="1066800" y="152400"/>
+            <a:ext cx="2800350" cy="6524625"/>
+          </a:xfrm>
+          <a:prstGeom prst="rect">
+            <a:avLst/>
+          </a:prstGeom>
+          <a:noFill/>
+          <a:ln w="9525">
+            <a:noFill/>
+            <a:miter lim="800000"/>
+            <a:headEnd/>
+            <a:tailEnd/>
+          </a:ln>
+        </p:spPr>
+      </p:pic>
+    </p:spTree>
+  </p:cSld>
+  <p:clrMapOvr>
+    <a:masterClrMapping/>
+  </p:clrMapOvr>
 </p:sld>
 </file>
 
@@ -4666,7 +6475,7 @@
   </a:extraClrSchemeLst>
   <a:extLst>
     <a:ext uri="{05A4C25C-085E-4340-85A3-A5531E510DB2}">
-      <thm15:themeFamily xmlns:thm15="http://schemas.microsoft.com/office/thememl/2012/main" name="Office Theme" id="{62F939B6-93AF-4DB8-9C6B-D6C7DFDC589F}" vid="{4A3C46E8-61CC-4603-A589-7422A47A8E4A}"/>
+      <thm15:themeFamily xmlns="" xmlns:thm15="http://schemas.microsoft.com/office/thememl/2012/main" name="Office Theme" id="{62F939B6-93AF-4DB8-9C6B-D6C7DFDC589F}" vid="{4A3C46E8-61CC-4603-A589-7422A47A8E4A}"/>
     </a:ext>
   </a:extLst>
 </a:theme>
@@ -4715,7 +6524,7 @@
     </a:clrScheme>
     <a:fontScheme name="Office">
       <a:majorFont>
-        <a:latin typeface="Calibri Light" panose="020F0302020204030204"/>
+        <a:latin typeface="Calibri Light"/>
         <a:ea typeface=""/>
         <a:cs typeface=""/>
         <a:font script="Jpan" typeface="ＭＳ Ｐゴシック"/>
@@ -4750,7 +6559,7 @@
         <a:font script="Geor" typeface="Sylfaen"/>
       </a:majorFont>
       <a:minorFont>
-        <a:latin typeface="Calibri" panose="020F0502020204030204"/>
+        <a:latin typeface="Calibri"/>
         <a:ea typeface=""/>
         <a:cs typeface=""/>
         <a:font script="Jpan" typeface="ＭＳ Ｐゴシック"/>
@@ -4927,7 +6736,7 @@
   <a:extraClrSchemeLst/>
   <a:extLst>
     <a:ext uri="{05A4C25C-085E-4340-85A3-A5531E510DB2}">
-      <thm15:themeFamily xmlns:thm15="http://schemas.microsoft.com/office/thememl/2012/main" name="Office Theme" id="{62F939B6-93AF-4DB8-9C6B-D6C7DFDC589F}" vid="{4A3C46E8-61CC-4603-A589-7422A47A8E4A}"/>
+      <thm15:themeFamily xmlns="" xmlns:thm15="http://schemas.microsoft.com/office/thememl/2012/main" name="Office Theme" id="{62F939B6-93AF-4DB8-9C6B-D6C7DFDC589F}" vid="{4A3C46E8-61CC-4603-A589-7422A47A8E4A}"/>
     </a:ext>
   </a:extLst>
 </a:theme>
